--- a/ppt 16-9/0446.主的恩召.pptx
+++ b/ppt 16-9/0446.主的恩召.pptx
@@ -5,7 +5,7 @@
     <p:sldMasterId id="2147483648" r:id="rId1"/>
   </p:sldMasterIdLst>
   <p:sldIdLst>
-    <p:sldId id="2936" r:id="rId2"/>
+    <p:sldId id="2937" r:id="rId2"/>
   </p:sldIdLst>
   <p:sldSz cx="12192000" cy="6858000"/>
   <p:notesSz cx="6858000" cy="9144000"/>
@@ -129,7 +129,7 @@
           <p:cNvPr id="2" name="标题 1">
             <a:extLst>
               <a:ext uri="{FF2B5EF4-FFF2-40B4-BE49-F238E27FC236}">
-                <a16:creationId xmlns:a16="http://schemas.microsoft.com/office/drawing/2014/main" id="{539A4BD5-DEF7-1B65-0A52-D8CCB49428E7}"/>
+                <a16:creationId xmlns:a16="http://schemas.microsoft.com/office/drawing/2014/main" id="{F2B3BD7D-0E4A-0AA1-5771-08EBB8573745}"/>
               </a:ext>
             </a:extLst>
           </p:cNvPr>
@@ -166,7 +166,7 @@
           <p:cNvPr id="3" name="副标题 2">
             <a:extLst>
               <a:ext uri="{FF2B5EF4-FFF2-40B4-BE49-F238E27FC236}">
-                <a16:creationId xmlns:a16="http://schemas.microsoft.com/office/drawing/2014/main" id="{A66198FE-6E3D-A7CB-4603-A5917291DC48}"/>
+                <a16:creationId xmlns:a16="http://schemas.microsoft.com/office/drawing/2014/main" id="{4DC49401-D9B3-D706-5334-BB5BAA136D2F}"/>
               </a:ext>
             </a:extLst>
           </p:cNvPr>
@@ -236,7 +236,7 @@
           <p:cNvPr id="4" name="日期占位符 3">
             <a:extLst>
               <a:ext uri="{FF2B5EF4-FFF2-40B4-BE49-F238E27FC236}">
-                <a16:creationId xmlns:a16="http://schemas.microsoft.com/office/drawing/2014/main" id="{FA9F9CC2-6BB4-A538-C950-280ED27D91A7}"/>
+                <a16:creationId xmlns:a16="http://schemas.microsoft.com/office/drawing/2014/main" id="{00B89B50-46C1-FBC4-8807-4A665B737AD7}"/>
               </a:ext>
             </a:extLst>
           </p:cNvPr>
@@ -252,7 +252,7 @@
           <a:bodyPr/>
           <a:lstStyle/>
           <a:p>
-            <a:fld id="{795D1EF7-3B01-4A47-BDCF-5F5C88F3A7D3}" type="datetimeFigureOut">
+            <a:fld id="{9046939C-0AA4-43B1-966C-D81E183AD55C}" type="datetimeFigureOut">
               <a:rPr lang="zh-CN" altLang="en-US" smtClean="0"/>
               <a:t>2024/3/10</a:t>
             </a:fld>
@@ -265,7 +265,7 @@
           <p:cNvPr id="5" name="页脚占位符 4">
             <a:extLst>
               <a:ext uri="{FF2B5EF4-FFF2-40B4-BE49-F238E27FC236}">
-                <a16:creationId xmlns:a16="http://schemas.microsoft.com/office/drawing/2014/main" id="{A8C957F9-1FAD-42E2-8C47-9CAAA1B0FF8E}"/>
+                <a16:creationId xmlns:a16="http://schemas.microsoft.com/office/drawing/2014/main" id="{69B96B5E-0788-CEA7-0739-7416859328C9}"/>
               </a:ext>
             </a:extLst>
           </p:cNvPr>
@@ -290,7 +290,7 @@
           <p:cNvPr id="6" name="灯片编号占位符 5">
             <a:extLst>
               <a:ext uri="{FF2B5EF4-FFF2-40B4-BE49-F238E27FC236}">
-                <a16:creationId xmlns:a16="http://schemas.microsoft.com/office/drawing/2014/main" id="{F92D106C-190E-D6ED-90C2-4522D6D86E0C}"/>
+                <a16:creationId xmlns:a16="http://schemas.microsoft.com/office/drawing/2014/main" id="{8ED2F2B2-0323-96C1-2ADF-B6096D0C1B1A}"/>
               </a:ext>
             </a:extLst>
           </p:cNvPr>
@@ -306,7 +306,7 @@
           <a:bodyPr/>
           <a:lstStyle/>
           <a:p>
-            <a:fld id="{739B925D-FBD2-4273-ADB4-F3EAD454798F}" type="slidenum">
+            <a:fld id="{FA549FD4-253A-4D0A-86DC-D8AD8B486AF6}" type="slidenum">
               <a:rPr lang="zh-CN" altLang="en-US" smtClean="0"/>
               <a:t>‹#›</a:t>
             </a:fld>
@@ -317,7 +317,7 @@
     </p:spTree>
     <p:extLst>
       <p:ext uri="{BB962C8B-B14F-4D97-AF65-F5344CB8AC3E}">
-        <p14:creationId xmlns:p14="http://schemas.microsoft.com/office/powerpoint/2010/main" val="2718144221"/>
+        <p14:creationId xmlns:p14="http://schemas.microsoft.com/office/powerpoint/2010/main" val="839966483"/>
       </p:ext>
     </p:extLst>
   </p:cSld>
@@ -349,7 +349,7 @@
           <p:cNvPr id="2" name="标题 1">
             <a:extLst>
               <a:ext uri="{FF2B5EF4-FFF2-40B4-BE49-F238E27FC236}">
-                <a16:creationId xmlns:a16="http://schemas.microsoft.com/office/drawing/2014/main" id="{91F9D751-E239-5E44-BC3E-130037FC83DD}"/>
+                <a16:creationId xmlns:a16="http://schemas.microsoft.com/office/drawing/2014/main" id="{82E7D8B6-E02D-A92C-85F8-222EFB9CB4A1}"/>
               </a:ext>
             </a:extLst>
           </p:cNvPr>
@@ -377,7 +377,7 @@
           <p:cNvPr id="3" name="竖排文字占位符 2">
             <a:extLst>
               <a:ext uri="{FF2B5EF4-FFF2-40B4-BE49-F238E27FC236}">
-                <a16:creationId xmlns:a16="http://schemas.microsoft.com/office/drawing/2014/main" id="{A947D191-EDC1-1836-B42C-449F1256F019}"/>
+                <a16:creationId xmlns:a16="http://schemas.microsoft.com/office/drawing/2014/main" id="{3B236722-5FAF-ADF9-5E83-8DDB343D4B3F}"/>
               </a:ext>
             </a:extLst>
           </p:cNvPr>
@@ -434,7 +434,7 @@
           <p:cNvPr id="4" name="日期占位符 3">
             <a:extLst>
               <a:ext uri="{FF2B5EF4-FFF2-40B4-BE49-F238E27FC236}">
-                <a16:creationId xmlns:a16="http://schemas.microsoft.com/office/drawing/2014/main" id="{2DD8DCB0-F43C-D6DD-1C24-C885ACA19AE4}"/>
+                <a16:creationId xmlns:a16="http://schemas.microsoft.com/office/drawing/2014/main" id="{2E1AFFE1-5121-AB79-43D4-7E8734EA8D42}"/>
               </a:ext>
             </a:extLst>
           </p:cNvPr>
@@ -450,7 +450,7 @@
           <a:bodyPr/>
           <a:lstStyle/>
           <a:p>
-            <a:fld id="{795D1EF7-3B01-4A47-BDCF-5F5C88F3A7D3}" type="datetimeFigureOut">
+            <a:fld id="{9046939C-0AA4-43B1-966C-D81E183AD55C}" type="datetimeFigureOut">
               <a:rPr lang="zh-CN" altLang="en-US" smtClean="0"/>
               <a:t>2024/3/10</a:t>
             </a:fld>
@@ -463,7 +463,7 @@
           <p:cNvPr id="5" name="页脚占位符 4">
             <a:extLst>
               <a:ext uri="{FF2B5EF4-FFF2-40B4-BE49-F238E27FC236}">
-                <a16:creationId xmlns:a16="http://schemas.microsoft.com/office/drawing/2014/main" id="{086C49FF-B4AD-B5DC-6A91-884952C32FB3}"/>
+                <a16:creationId xmlns:a16="http://schemas.microsoft.com/office/drawing/2014/main" id="{2D0ED4DF-8BAF-7570-EF95-DC66146DE1ED}"/>
               </a:ext>
             </a:extLst>
           </p:cNvPr>
@@ -488,7 +488,7 @@
           <p:cNvPr id="6" name="灯片编号占位符 5">
             <a:extLst>
               <a:ext uri="{FF2B5EF4-FFF2-40B4-BE49-F238E27FC236}">
-                <a16:creationId xmlns:a16="http://schemas.microsoft.com/office/drawing/2014/main" id="{E1DA09BC-1274-C4F0-DE4C-FAB213C451C6}"/>
+                <a16:creationId xmlns:a16="http://schemas.microsoft.com/office/drawing/2014/main" id="{CED543D1-EA41-F862-8139-3A356737E9F6}"/>
               </a:ext>
             </a:extLst>
           </p:cNvPr>
@@ -504,7 +504,7 @@
           <a:bodyPr/>
           <a:lstStyle/>
           <a:p>
-            <a:fld id="{739B925D-FBD2-4273-ADB4-F3EAD454798F}" type="slidenum">
+            <a:fld id="{FA549FD4-253A-4D0A-86DC-D8AD8B486AF6}" type="slidenum">
               <a:rPr lang="zh-CN" altLang="en-US" smtClean="0"/>
               <a:t>‹#›</a:t>
             </a:fld>
@@ -515,7 +515,7 @@
     </p:spTree>
     <p:extLst>
       <p:ext uri="{BB962C8B-B14F-4D97-AF65-F5344CB8AC3E}">
-        <p14:creationId xmlns:p14="http://schemas.microsoft.com/office/powerpoint/2010/main" val="1117715580"/>
+        <p14:creationId xmlns:p14="http://schemas.microsoft.com/office/powerpoint/2010/main" val="1868521437"/>
       </p:ext>
     </p:extLst>
   </p:cSld>
@@ -547,7 +547,7 @@
           <p:cNvPr id="2" name="竖排标题 1">
             <a:extLst>
               <a:ext uri="{FF2B5EF4-FFF2-40B4-BE49-F238E27FC236}">
-                <a16:creationId xmlns:a16="http://schemas.microsoft.com/office/drawing/2014/main" id="{8594D29C-3343-6EE3-61A9-4273EDC7690E}"/>
+                <a16:creationId xmlns:a16="http://schemas.microsoft.com/office/drawing/2014/main" id="{40546FCF-21C6-272D-1314-14A90D31B37D}"/>
               </a:ext>
             </a:extLst>
           </p:cNvPr>
@@ -580,7 +580,7 @@
           <p:cNvPr id="3" name="竖排文字占位符 2">
             <a:extLst>
               <a:ext uri="{FF2B5EF4-FFF2-40B4-BE49-F238E27FC236}">
-                <a16:creationId xmlns:a16="http://schemas.microsoft.com/office/drawing/2014/main" id="{B2FA3EAD-0B5B-9F7E-A755-84160D743CD2}"/>
+                <a16:creationId xmlns:a16="http://schemas.microsoft.com/office/drawing/2014/main" id="{22099AC1-BA0D-A659-1EC1-E7A336E33992}"/>
               </a:ext>
             </a:extLst>
           </p:cNvPr>
@@ -642,7 +642,7 @@
           <p:cNvPr id="4" name="日期占位符 3">
             <a:extLst>
               <a:ext uri="{FF2B5EF4-FFF2-40B4-BE49-F238E27FC236}">
-                <a16:creationId xmlns:a16="http://schemas.microsoft.com/office/drawing/2014/main" id="{23173B92-6467-A37C-9F45-F51F57AC4845}"/>
+                <a16:creationId xmlns:a16="http://schemas.microsoft.com/office/drawing/2014/main" id="{6DA2AEC7-DB27-13CD-8390-FA812C4C0381}"/>
               </a:ext>
             </a:extLst>
           </p:cNvPr>
@@ -658,7 +658,7 @@
           <a:bodyPr/>
           <a:lstStyle/>
           <a:p>
-            <a:fld id="{795D1EF7-3B01-4A47-BDCF-5F5C88F3A7D3}" type="datetimeFigureOut">
+            <a:fld id="{9046939C-0AA4-43B1-966C-D81E183AD55C}" type="datetimeFigureOut">
               <a:rPr lang="zh-CN" altLang="en-US" smtClean="0"/>
               <a:t>2024/3/10</a:t>
             </a:fld>
@@ -671,7 +671,7 @@
           <p:cNvPr id="5" name="页脚占位符 4">
             <a:extLst>
               <a:ext uri="{FF2B5EF4-FFF2-40B4-BE49-F238E27FC236}">
-                <a16:creationId xmlns:a16="http://schemas.microsoft.com/office/drawing/2014/main" id="{DBBD43A8-07CB-D4DA-6134-9E4CAFE01AA0}"/>
+                <a16:creationId xmlns:a16="http://schemas.microsoft.com/office/drawing/2014/main" id="{E85D293D-5465-E355-EF9D-5FB25881D879}"/>
               </a:ext>
             </a:extLst>
           </p:cNvPr>
@@ -696,7 +696,7 @@
           <p:cNvPr id="6" name="灯片编号占位符 5">
             <a:extLst>
               <a:ext uri="{FF2B5EF4-FFF2-40B4-BE49-F238E27FC236}">
-                <a16:creationId xmlns:a16="http://schemas.microsoft.com/office/drawing/2014/main" id="{C33BB90D-93E9-F760-58B5-2D4DC34F2142}"/>
+                <a16:creationId xmlns:a16="http://schemas.microsoft.com/office/drawing/2014/main" id="{1979662A-A56A-38E6-526A-53F2C7F282EC}"/>
               </a:ext>
             </a:extLst>
           </p:cNvPr>
@@ -712,7 +712,7 @@
           <a:bodyPr/>
           <a:lstStyle/>
           <a:p>
-            <a:fld id="{739B925D-FBD2-4273-ADB4-F3EAD454798F}" type="slidenum">
+            <a:fld id="{FA549FD4-253A-4D0A-86DC-D8AD8B486AF6}" type="slidenum">
               <a:rPr lang="zh-CN" altLang="en-US" smtClean="0"/>
               <a:t>‹#›</a:t>
             </a:fld>
@@ -723,7 +723,7 @@
     </p:spTree>
     <p:extLst>
       <p:ext uri="{BB962C8B-B14F-4D97-AF65-F5344CB8AC3E}">
-        <p14:creationId xmlns:p14="http://schemas.microsoft.com/office/powerpoint/2010/main" val="3983334895"/>
+        <p14:creationId xmlns:p14="http://schemas.microsoft.com/office/powerpoint/2010/main" val="261040711"/>
       </p:ext>
     </p:extLst>
   </p:cSld>
@@ -755,7 +755,7 @@
           <p:cNvPr id="2" name="标题 1">
             <a:extLst>
               <a:ext uri="{FF2B5EF4-FFF2-40B4-BE49-F238E27FC236}">
-                <a16:creationId xmlns:a16="http://schemas.microsoft.com/office/drawing/2014/main" id="{F481CF5B-1EAF-6186-5E7E-79B613885B7D}"/>
+                <a16:creationId xmlns:a16="http://schemas.microsoft.com/office/drawing/2014/main" id="{CAD11E16-5BFA-67A9-75F0-381A1556CFC0}"/>
               </a:ext>
             </a:extLst>
           </p:cNvPr>
@@ -783,7 +783,7 @@
           <p:cNvPr id="3" name="内容占位符 2">
             <a:extLst>
               <a:ext uri="{FF2B5EF4-FFF2-40B4-BE49-F238E27FC236}">
-                <a16:creationId xmlns:a16="http://schemas.microsoft.com/office/drawing/2014/main" id="{3C24316F-8501-74ED-E02D-F4E519B515C1}"/>
+                <a16:creationId xmlns:a16="http://schemas.microsoft.com/office/drawing/2014/main" id="{A55ECBD4-CE75-D00B-AED5-CA0C64EBD702}"/>
               </a:ext>
             </a:extLst>
           </p:cNvPr>
@@ -840,7 +840,7 @@
           <p:cNvPr id="4" name="日期占位符 3">
             <a:extLst>
               <a:ext uri="{FF2B5EF4-FFF2-40B4-BE49-F238E27FC236}">
-                <a16:creationId xmlns:a16="http://schemas.microsoft.com/office/drawing/2014/main" id="{C5EBF93C-6C14-3AE2-B6D5-24AB5E10FF35}"/>
+                <a16:creationId xmlns:a16="http://schemas.microsoft.com/office/drawing/2014/main" id="{0D987E86-0FD1-D686-5B37-FAE6F3B68053}"/>
               </a:ext>
             </a:extLst>
           </p:cNvPr>
@@ -856,7 +856,7 @@
           <a:bodyPr/>
           <a:lstStyle/>
           <a:p>
-            <a:fld id="{795D1EF7-3B01-4A47-BDCF-5F5C88F3A7D3}" type="datetimeFigureOut">
+            <a:fld id="{9046939C-0AA4-43B1-966C-D81E183AD55C}" type="datetimeFigureOut">
               <a:rPr lang="zh-CN" altLang="en-US" smtClean="0"/>
               <a:t>2024/3/10</a:t>
             </a:fld>
@@ -869,7 +869,7 @@
           <p:cNvPr id="5" name="页脚占位符 4">
             <a:extLst>
               <a:ext uri="{FF2B5EF4-FFF2-40B4-BE49-F238E27FC236}">
-                <a16:creationId xmlns:a16="http://schemas.microsoft.com/office/drawing/2014/main" id="{A28FA097-EAFC-9C0C-A6BE-5062F411C850}"/>
+                <a16:creationId xmlns:a16="http://schemas.microsoft.com/office/drawing/2014/main" id="{7F84F446-EAB4-398F-EA79-2E5276F9F31F}"/>
               </a:ext>
             </a:extLst>
           </p:cNvPr>
@@ -894,7 +894,7 @@
           <p:cNvPr id="6" name="灯片编号占位符 5">
             <a:extLst>
               <a:ext uri="{FF2B5EF4-FFF2-40B4-BE49-F238E27FC236}">
-                <a16:creationId xmlns:a16="http://schemas.microsoft.com/office/drawing/2014/main" id="{3584CFF3-477A-06AD-84E9-1BEE4E051346}"/>
+                <a16:creationId xmlns:a16="http://schemas.microsoft.com/office/drawing/2014/main" id="{375DE419-1B55-F649-7704-7AF92A1BC983}"/>
               </a:ext>
             </a:extLst>
           </p:cNvPr>
@@ -910,7 +910,7 @@
           <a:bodyPr/>
           <a:lstStyle/>
           <a:p>
-            <a:fld id="{739B925D-FBD2-4273-ADB4-F3EAD454798F}" type="slidenum">
+            <a:fld id="{FA549FD4-253A-4D0A-86DC-D8AD8B486AF6}" type="slidenum">
               <a:rPr lang="zh-CN" altLang="en-US" smtClean="0"/>
               <a:t>‹#›</a:t>
             </a:fld>
@@ -921,7 +921,7 @@
     </p:spTree>
     <p:extLst>
       <p:ext uri="{BB962C8B-B14F-4D97-AF65-F5344CB8AC3E}">
-        <p14:creationId xmlns:p14="http://schemas.microsoft.com/office/powerpoint/2010/main" val="247252568"/>
+        <p14:creationId xmlns:p14="http://schemas.microsoft.com/office/powerpoint/2010/main" val="3504008585"/>
       </p:ext>
     </p:extLst>
   </p:cSld>
@@ -953,7 +953,7 @@
           <p:cNvPr id="2" name="标题 1">
             <a:extLst>
               <a:ext uri="{FF2B5EF4-FFF2-40B4-BE49-F238E27FC236}">
-                <a16:creationId xmlns:a16="http://schemas.microsoft.com/office/drawing/2014/main" id="{038B07EF-6B98-AE7C-2459-8774A4DA11FC}"/>
+                <a16:creationId xmlns:a16="http://schemas.microsoft.com/office/drawing/2014/main" id="{B12A27DD-EF19-48FA-B770-929FFB6306E0}"/>
               </a:ext>
             </a:extLst>
           </p:cNvPr>
@@ -990,7 +990,7 @@
           <p:cNvPr id="3" name="文本占位符 2">
             <a:extLst>
               <a:ext uri="{FF2B5EF4-FFF2-40B4-BE49-F238E27FC236}">
-                <a16:creationId xmlns:a16="http://schemas.microsoft.com/office/drawing/2014/main" id="{A3582785-CC87-D7AA-9C42-EEB950113931}"/>
+                <a16:creationId xmlns:a16="http://schemas.microsoft.com/office/drawing/2014/main" id="{DA35C5F0-54BB-9637-8FFA-BD7E0E5E24D2}"/>
               </a:ext>
             </a:extLst>
           </p:cNvPr>
@@ -1115,7 +1115,7 @@
           <p:cNvPr id="4" name="日期占位符 3">
             <a:extLst>
               <a:ext uri="{FF2B5EF4-FFF2-40B4-BE49-F238E27FC236}">
-                <a16:creationId xmlns:a16="http://schemas.microsoft.com/office/drawing/2014/main" id="{86356FBB-CDDA-70F9-AED1-5DCF096BEBCE}"/>
+                <a16:creationId xmlns:a16="http://schemas.microsoft.com/office/drawing/2014/main" id="{D18C0B6D-D524-AAEE-13F5-6F1B00A7FEB0}"/>
               </a:ext>
             </a:extLst>
           </p:cNvPr>
@@ -1131,7 +1131,7 @@
           <a:bodyPr/>
           <a:lstStyle/>
           <a:p>
-            <a:fld id="{795D1EF7-3B01-4A47-BDCF-5F5C88F3A7D3}" type="datetimeFigureOut">
+            <a:fld id="{9046939C-0AA4-43B1-966C-D81E183AD55C}" type="datetimeFigureOut">
               <a:rPr lang="zh-CN" altLang="en-US" smtClean="0"/>
               <a:t>2024/3/10</a:t>
             </a:fld>
@@ -1144,7 +1144,7 @@
           <p:cNvPr id="5" name="页脚占位符 4">
             <a:extLst>
               <a:ext uri="{FF2B5EF4-FFF2-40B4-BE49-F238E27FC236}">
-                <a16:creationId xmlns:a16="http://schemas.microsoft.com/office/drawing/2014/main" id="{03F67A29-40E5-5EB9-D5AF-E96525639931}"/>
+                <a16:creationId xmlns:a16="http://schemas.microsoft.com/office/drawing/2014/main" id="{BBE4F78B-8715-6744-3F5A-C816C5302D4F}"/>
               </a:ext>
             </a:extLst>
           </p:cNvPr>
@@ -1169,7 +1169,7 @@
           <p:cNvPr id="6" name="灯片编号占位符 5">
             <a:extLst>
               <a:ext uri="{FF2B5EF4-FFF2-40B4-BE49-F238E27FC236}">
-                <a16:creationId xmlns:a16="http://schemas.microsoft.com/office/drawing/2014/main" id="{427B05DF-6EC7-AE22-EF1D-EFE7F6A94A04}"/>
+                <a16:creationId xmlns:a16="http://schemas.microsoft.com/office/drawing/2014/main" id="{63981826-BA7C-C256-6B11-0D3E5C33D5AC}"/>
               </a:ext>
             </a:extLst>
           </p:cNvPr>
@@ -1185,7 +1185,7 @@
           <a:bodyPr/>
           <a:lstStyle/>
           <a:p>
-            <a:fld id="{739B925D-FBD2-4273-ADB4-F3EAD454798F}" type="slidenum">
+            <a:fld id="{FA549FD4-253A-4D0A-86DC-D8AD8B486AF6}" type="slidenum">
               <a:rPr lang="zh-CN" altLang="en-US" smtClean="0"/>
               <a:t>‹#›</a:t>
             </a:fld>
@@ -1196,7 +1196,7 @@
     </p:spTree>
     <p:extLst>
       <p:ext uri="{BB962C8B-B14F-4D97-AF65-F5344CB8AC3E}">
-        <p14:creationId xmlns:p14="http://schemas.microsoft.com/office/powerpoint/2010/main" val="1738096630"/>
+        <p14:creationId xmlns:p14="http://schemas.microsoft.com/office/powerpoint/2010/main" val="2957817056"/>
       </p:ext>
     </p:extLst>
   </p:cSld>
@@ -1228,7 +1228,7 @@
           <p:cNvPr id="2" name="标题 1">
             <a:extLst>
               <a:ext uri="{FF2B5EF4-FFF2-40B4-BE49-F238E27FC236}">
-                <a16:creationId xmlns:a16="http://schemas.microsoft.com/office/drawing/2014/main" id="{43139F7B-35E7-4686-9E56-347A696497BC}"/>
+                <a16:creationId xmlns:a16="http://schemas.microsoft.com/office/drawing/2014/main" id="{77C4C67A-4E97-2C75-17BD-2D37B5004770}"/>
               </a:ext>
             </a:extLst>
           </p:cNvPr>
@@ -1256,7 +1256,7 @@
           <p:cNvPr id="3" name="内容占位符 2">
             <a:extLst>
               <a:ext uri="{FF2B5EF4-FFF2-40B4-BE49-F238E27FC236}">
-                <a16:creationId xmlns:a16="http://schemas.microsoft.com/office/drawing/2014/main" id="{B6F2698A-49FA-0E4C-F2EF-3A30B4FE8335}"/>
+                <a16:creationId xmlns:a16="http://schemas.microsoft.com/office/drawing/2014/main" id="{3008277D-91B2-E953-73FE-82A97F3653C8}"/>
               </a:ext>
             </a:extLst>
           </p:cNvPr>
@@ -1318,7 +1318,7 @@
           <p:cNvPr id="4" name="内容占位符 3">
             <a:extLst>
               <a:ext uri="{FF2B5EF4-FFF2-40B4-BE49-F238E27FC236}">
-                <a16:creationId xmlns:a16="http://schemas.microsoft.com/office/drawing/2014/main" id="{60682EC2-0F78-9314-7B9E-D40B8C77F4C9}"/>
+                <a16:creationId xmlns:a16="http://schemas.microsoft.com/office/drawing/2014/main" id="{C8CFCAAA-4189-56AD-0C47-05E9E8E001AC}"/>
               </a:ext>
             </a:extLst>
           </p:cNvPr>
@@ -1380,7 +1380,7 @@
           <p:cNvPr id="5" name="日期占位符 4">
             <a:extLst>
               <a:ext uri="{FF2B5EF4-FFF2-40B4-BE49-F238E27FC236}">
-                <a16:creationId xmlns:a16="http://schemas.microsoft.com/office/drawing/2014/main" id="{4D81D12F-F4D0-D448-0953-DCB512CCDA31}"/>
+                <a16:creationId xmlns:a16="http://schemas.microsoft.com/office/drawing/2014/main" id="{12A4CB7E-B593-8E89-616A-4796827B3405}"/>
               </a:ext>
             </a:extLst>
           </p:cNvPr>
@@ -1396,7 +1396,7 @@
           <a:bodyPr/>
           <a:lstStyle/>
           <a:p>
-            <a:fld id="{795D1EF7-3B01-4A47-BDCF-5F5C88F3A7D3}" type="datetimeFigureOut">
+            <a:fld id="{9046939C-0AA4-43B1-966C-D81E183AD55C}" type="datetimeFigureOut">
               <a:rPr lang="zh-CN" altLang="en-US" smtClean="0"/>
               <a:t>2024/3/10</a:t>
             </a:fld>
@@ -1409,7 +1409,7 @@
           <p:cNvPr id="6" name="页脚占位符 5">
             <a:extLst>
               <a:ext uri="{FF2B5EF4-FFF2-40B4-BE49-F238E27FC236}">
-                <a16:creationId xmlns:a16="http://schemas.microsoft.com/office/drawing/2014/main" id="{E6CF92EA-1926-121A-A4B5-61641EDBF40C}"/>
+                <a16:creationId xmlns:a16="http://schemas.microsoft.com/office/drawing/2014/main" id="{7B319DE1-EA5A-EEA2-96D4-1090DB861DDE}"/>
               </a:ext>
             </a:extLst>
           </p:cNvPr>
@@ -1434,7 +1434,7 @@
           <p:cNvPr id="7" name="灯片编号占位符 6">
             <a:extLst>
               <a:ext uri="{FF2B5EF4-FFF2-40B4-BE49-F238E27FC236}">
-                <a16:creationId xmlns:a16="http://schemas.microsoft.com/office/drawing/2014/main" id="{BB6254C0-FACB-CC3F-3C53-588B1198CBB9}"/>
+                <a16:creationId xmlns:a16="http://schemas.microsoft.com/office/drawing/2014/main" id="{4E98FF54-7CC8-C248-716F-FB66957F4D9E}"/>
               </a:ext>
             </a:extLst>
           </p:cNvPr>
@@ -1450,7 +1450,7 @@
           <a:bodyPr/>
           <a:lstStyle/>
           <a:p>
-            <a:fld id="{739B925D-FBD2-4273-ADB4-F3EAD454798F}" type="slidenum">
+            <a:fld id="{FA549FD4-253A-4D0A-86DC-D8AD8B486AF6}" type="slidenum">
               <a:rPr lang="zh-CN" altLang="en-US" smtClean="0"/>
               <a:t>‹#›</a:t>
             </a:fld>
@@ -1461,7 +1461,7 @@
     </p:spTree>
     <p:extLst>
       <p:ext uri="{BB962C8B-B14F-4D97-AF65-F5344CB8AC3E}">
-        <p14:creationId xmlns:p14="http://schemas.microsoft.com/office/powerpoint/2010/main" val="1386520133"/>
+        <p14:creationId xmlns:p14="http://schemas.microsoft.com/office/powerpoint/2010/main" val="813137472"/>
       </p:ext>
     </p:extLst>
   </p:cSld>
@@ -1493,7 +1493,7 @@
           <p:cNvPr id="2" name="标题 1">
             <a:extLst>
               <a:ext uri="{FF2B5EF4-FFF2-40B4-BE49-F238E27FC236}">
-                <a16:creationId xmlns:a16="http://schemas.microsoft.com/office/drawing/2014/main" id="{0A482D10-22FF-2D55-CDB2-14951AECB0ED}"/>
+                <a16:creationId xmlns:a16="http://schemas.microsoft.com/office/drawing/2014/main" id="{31E7CDD3-885F-40DB-2881-69FE07007FD6}"/>
               </a:ext>
             </a:extLst>
           </p:cNvPr>
@@ -1526,7 +1526,7 @@
           <p:cNvPr id="3" name="文本占位符 2">
             <a:extLst>
               <a:ext uri="{FF2B5EF4-FFF2-40B4-BE49-F238E27FC236}">
-                <a16:creationId xmlns:a16="http://schemas.microsoft.com/office/drawing/2014/main" id="{4A87EF0C-5017-1BD9-10EF-1BF41CD18377}"/>
+                <a16:creationId xmlns:a16="http://schemas.microsoft.com/office/drawing/2014/main" id="{0D27B7F0-AB5C-F7E2-DB3A-809FABF88D06}"/>
               </a:ext>
             </a:extLst>
           </p:cNvPr>
@@ -1597,7 +1597,7 @@
           <p:cNvPr id="4" name="内容占位符 3">
             <a:extLst>
               <a:ext uri="{FF2B5EF4-FFF2-40B4-BE49-F238E27FC236}">
-                <a16:creationId xmlns:a16="http://schemas.microsoft.com/office/drawing/2014/main" id="{C6499F93-4DB3-CE45-4187-0BFE00EC0C31}"/>
+                <a16:creationId xmlns:a16="http://schemas.microsoft.com/office/drawing/2014/main" id="{DA360C5F-6DDB-B943-7C6E-F3035081F136}"/>
               </a:ext>
             </a:extLst>
           </p:cNvPr>
@@ -1659,7 +1659,7 @@
           <p:cNvPr id="5" name="文本占位符 4">
             <a:extLst>
               <a:ext uri="{FF2B5EF4-FFF2-40B4-BE49-F238E27FC236}">
-                <a16:creationId xmlns:a16="http://schemas.microsoft.com/office/drawing/2014/main" id="{5F04D3C0-3D5B-B764-C594-9061099FD229}"/>
+                <a16:creationId xmlns:a16="http://schemas.microsoft.com/office/drawing/2014/main" id="{C5899C89-E546-F5AD-B22B-95935F455315}"/>
               </a:ext>
             </a:extLst>
           </p:cNvPr>
@@ -1730,7 +1730,7 @@
           <p:cNvPr id="6" name="内容占位符 5">
             <a:extLst>
               <a:ext uri="{FF2B5EF4-FFF2-40B4-BE49-F238E27FC236}">
-                <a16:creationId xmlns:a16="http://schemas.microsoft.com/office/drawing/2014/main" id="{3BC7E658-9419-77FA-0518-0385AA7E46CA}"/>
+                <a16:creationId xmlns:a16="http://schemas.microsoft.com/office/drawing/2014/main" id="{A2020FBF-C94B-63CE-2462-1C117F006610}"/>
               </a:ext>
             </a:extLst>
           </p:cNvPr>
@@ -1792,7 +1792,7 @@
           <p:cNvPr id="7" name="日期占位符 6">
             <a:extLst>
               <a:ext uri="{FF2B5EF4-FFF2-40B4-BE49-F238E27FC236}">
-                <a16:creationId xmlns:a16="http://schemas.microsoft.com/office/drawing/2014/main" id="{AF4FF534-6261-5E04-3E60-E9D9B9AF100B}"/>
+                <a16:creationId xmlns:a16="http://schemas.microsoft.com/office/drawing/2014/main" id="{C047F31E-C7A7-B965-0B0E-9060471F395E}"/>
               </a:ext>
             </a:extLst>
           </p:cNvPr>
@@ -1808,7 +1808,7 @@
           <a:bodyPr/>
           <a:lstStyle/>
           <a:p>
-            <a:fld id="{795D1EF7-3B01-4A47-BDCF-5F5C88F3A7D3}" type="datetimeFigureOut">
+            <a:fld id="{9046939C-0AA4-43B1-966C-D81E183AD55C}" type="datetimeFigureOut">
               <a:rPr lang="zh-CN" altLang="en-US" smtClean="0"/>
               <a:t>2024/3/10</a:t>
             </a:fld>
@@ -1821,7 +1821,7 @@
           <p:cNvPr id="8" name="页脚占位符 7">
             <a:extLst>
               <a:ext uri="{FF2B5EF4-FFF2-40B4-BE49-F238E27FC236}">
-                <a16:creationId xmlns:a16="http://schemas.microsoft.com/office/drawing/2014/main" id="{813FC821-0E9E-EEF2-3CFD-DB9EC3605B6D}"/>
+                <a16:creationId xmlns:a16="http://schemas.microsoft.com/office/drawing/2014/main" id="{2AC90A9C-E6F2-F450-8164-E4432537BE02}"/>
               </a:ext>
             </a:extLst>
           </p:cNvPr>
@@ -1846,7 +1846,7 @@
           <p:cNvPr id="9" name="灯片编号占位符 8">
             <a:extLst>
               <a:ext uri="{FF2B5EF4-FFF2-40B4-BE49-F238E27FC236}">
-                <a16:creationId xmlns:a16="http://schemas.microsoft.com/office/drawing/2014/main" id="{18DA801B-DD2F-8D4B-E99E-D39A09528806}"/>
+                <a16:creationId xmlns:a16="http://schemas.microsoft.com/office/drawing/2014/main" id="{70827379-0E55-1AB6-7D06-937D240179EC}"/>
               </a:ext>
             </a:extLst>
           </p:cNvPr>
@@ -1862,7 +1862,7 @@
           <a:bodyPr/>
           <a:lstStyle/>
           <a:p>
-            <a:fld id="{739B925D-FBD2-4273-ADB4-F3EAD454798F}" type="slidenum">
+            <a:fld id="{FA549FD4-253A-4D0A-86DC-D8AD8B486AF6}" type="slidenum">
               <a:rPr lang="zh-CN" altLang="en-US" smtClean="0"/>
               <a:t>‹#›</a:t>
             </a:fld>
@@ -1873,7 +1873,7 @@
     </p:spTree>
     <p:extLst>
       <p:ext uri="{BB962C8B-B14F-4D97-AF65-F5344CB8AC3E}">
-        <p14:creationId xmlns:p14="http://schemas.microsoft.com/office/powerpoint/2010/main" val="3816904267"/>
+        <p14:creationId xmlns:p14="http://schemas.microsoft.com/office/powerpoint/2010/main" val="1347814777"/>
       </p:ext>
     </p:extLst>
   </p:cSld>
@@ -1905,7 +1905,7 @@
           <p:cNvPr id="2" name="标题 1">
             <a:extLst>
               <a:ext uri="{FF2B5EF4-FFF2-40B4-BE49-F238E27FC236}">
-                <a16:creationId xmlns:a16="http://schemas.microsoft.com/office/drawing/2014/main" id="{5F68A54F-2C3A-F0B5-2047-8203131C4059}"/>
+                <a16:creationId xmlns:a16="http://schemas.microsoft.com/office/drawing/2014/main" id="{40CBBC75-6736-8576-0E01-517B4B173720}"/>
               </a:ext>
             </a:extLst>
           </p:cNvPr>
@@ -1933,7 +1933,7 @@
           <p:cNvPr id="3" name="日期占位符 2">
             <a:extLst>
               <a:ext uri="{FF2B5EF4-FFF2-40B4-BE49-F238E27FC236}">
-                <a16:creationId xmlns:a16="http://schemas.microsoft.com/office/drawing/2014/main" id="{2C22CE5A-4A36-B83B-DC43-127D2B35126C}"/>
+                <a16:creationId xmlns:a16="http://schemas.microsoft.com/office/drawing/2014/main" id="{593C5D78-4C32-930B-78E7-093A69508985}"/>
               </a:ext>
             </a:extLst>
           </p:cNvPr>
@@ -1949,7 +1949,7 @@
           <a:bodyPr/>
           <a:lstStyle/>
           <a:p>
-            <a:fld id="{795D1EF7-3B01-4A47-BDCF-5F5C88F3A7D3}" type="datetimeFigureOut">
+            <a:fld id="{9046939C-0AA4-43B1-966C-D81E183AD55C}" type="datetimeFigureOut">
               <a:rPr lang="zh-CN" altLang="en-US" smtClean="0"/>
               <a:t>2024/3/10</a:t>
             </a:fld>
@@ -1962,7 +1962,7 @@
           <p:cNvPr id="4" name="页脚占位符 3">
             <a:extLst>
               <a:ext uri="{FF2B5EF4-FFF2-40B4-BE49-F238E27FC236}">
-                <a16:creationId xmlns:a16="http://schemas.microsoft.com/office/drawing/2014/main" id="{CE8528D3-9E2F-ED85-746B-A90695B4531B}"/>
+                <a16:creationId xmlns:a16="http://schemas.microsoft.com/office/drawing/2014/main" id="{4724147C-7F11-13FE-C3B9-1A9E787B7B11}"/>
               </a:ext>
             </a:extLst>
           </p:cNvPr>
@@ -1987,7 +1987,7 @@
           <p:cNvPr id="5" name="灯片编号占位符 4">
             <a:extLst>
               <a:ext uri="{FF2B5EF4-FFF2-40B4-BE49-F238E27FC236}">
-                <a16:creationId xmlns:a16="http://schemas.microsoft.com/office/drawing/2014/main" id="{46844D95-534D-53BE-8969-6E5E5F109F22}"/>
+                <a16:creationId xmlns:a16="http://schemas.microsoft.com/office/drawing/2014/main" id="{5C484017-8D55-C4D7-A8AA-CE350658AA88}"/>
               </a:ext>
             </a:extLst>
           </p:cNvPr>
@@ -2003,7 +2003,7 @@
           <a:bodyPr/>
           <a:lstStyle/>
           <a:p>
-            <a:fld id="{739B925D-FBD2-4273-ADB4-F3EAD454798F}" type="slidenum">
+            <a:fld id="{FA549FD4-253A-4D0A-86DC-D8AD8B486AF6}" type="slidenum">
               <a:rPr lang="zh-CN" altLang="en-US" smtClean="0"/>
               <a:t>‹#›</a:t>
             </a:fld>
@@ -2014,7 +2014,7 @@
     </p:spTree>
     <p:extLst>
       <p:ext uri="{BB962C8B-B14F-4D97-AF65-F5344CB8AC3E}">
-        <p14:creationId xmlns:p14="http://schemas.microsoft.com/office/powerpoint/2010/main" val="3483968831"/>
+        <p14:creationId xmlns:p14="http://schemas.microsoft.com/office/powerpoint/2010/main" val="4116228649"/>
       </p:ext>
     </p:extLst>
   </p:cSld>
@@ -2046,7 +2046,7 @@
           <p:cNvPr id="2" name="日期占位符 1">
             <a:extLst>
               <a:ext uri="{FF2B5EF4-FFF2-40B4-BE49-F238E27FC236}">
-                <a16:creationId xmlns:a16="http://schemas.microsoft.com/office/drawing/2014/main" id="{C22D8E10-D359-10E3-DC94-2698F9A1C9E4}"/>
+                <a16:creationId xmlns:a16="http://schemas.microsoft.com/office/drawing/2014/main" id="{7CABCC2D-A7A7-AE4F-8C6B-B3C740FF985D}"/>
               </a:ext>
             </a:extLst>
           </p:cNvPr>
@@ -2062,7 +2062,7 @@
           <a:bodyPr/>
           <a:lstStyle/>
           <a:p>
-            <a:fld id="{795D1EF7-3B01-4A47-BDCF-5F5C88F3A7D3}" type="datetimeFigureOut">
+            <a:fld id="{9046939C-0AA4-43B1-966C-D81E183AD55C}" type="datetimeFigureOut">
               <a:rPr lang="zh-CN" altLang="en-US" smtClean="0"/>
               <a:t>2024/3/10</a:t>
             </a:fld>
@@ -2075,7 +2075,7 @@
           <p:cNvPr id="3" name="页脚占位符 2">
             <a:extLst>
               <a:ext uri="{FF2B5EF4-FFF2-40B4-BE49-F238E27FC236}">
-                <a16:creationId xmlns:a16="http://schemas.microsoft.com/office/drawing/2014/main" id="{47F761C3-9847-276B-1C37-5A3CFE418B5D}"/>
+                <a16:creationId xmlns:a16="http://schemas.microsoft.com/office/drawing/2014/main" id="{2A38353F-1456-14FC-92A0-1E377FF88B76}"/>
               </a:ext>
             </a:extLst>
           </p:cNvPr>
@@ -2100,7 +2100,7 @@
           <p:cNvPr id="4" name="灯片编号占位符 3">
             <a:extLst>
               <a:ext uri="{FF2B5EF4-FFF2-40B4-BE49-F238E27FC236}">
-                <a16:creationId xmlns:a16="http://schemas.microsoft.com/office/drawing/2014/main" id="{EBF29606-017B-9B87-180A-6D0082368636}"/>
+                <a16:creationId xmlns:a16="http://schemas.microsoft.com/office/drawing/2014/main" id="{357CD05F-3A09-DE17-0C91-71BDA583C158}"/>
               </a:ext>
             </a:extLst>
           </p:cNvPr>
@@ -2116,7 +2116,7 @@
           <a:bodyPr/>
           <a:lstStyle/>
           <a:p>
-            <a:fld id="{739B925D-FBD2-4273-ADB4-F3EAD454798F}" type="slidenum">
+            <a:fld id="{FA549FD4-253A-4D0A-86DC-D8AD8B486AF6}" type="slidenum">
               <a:rPr lang="zh-CN" altLang="en-US" smtClean="0"/>
               <a:t>‹#›</a:t>
             </a:fld>
@@ -2127,7 +2127,7 @@
     </p:spTree>
     <p:extLst>
       <p:ext uri="{BB962C8B-B14F-4D97-AF65-F5344CB8AC3E}">
-        <p14:creationId xmlns:p14="http://schemas.microsoft.com/office/powerpoint/2010/main" val="559988315"/>
+        <p14:creationId xmlns:p14="http://schemas.microsoft.com/office/powerpoint/2010/main" val="783134427"/>
       </p:ext>
     </p:extLst>
   </p:cSld>
@@ -2159,7 +2159,7 @@
           <p:cNvPr id="2" name="标题 1">
             <a:extLst>
               <a:ext uri="{FF2B5EF4-FFF2-40B4-BE49-F238E27FC236}">
-                <a16:creationId xmlns:a16="http://schemas.microsoft.com/office/drawing/2014/main" id="{202394AF-6764-FB8C-3A78-91988CAF953D}"/>
+                <a16:creationId xmlns:a16="http://schemas.microsoft.com/office/drawing/2014/main" id="{C0369BAC-0645-791F-480F-08FAEE72B25C}"/>
               </a:ext>
             </a:extLst>
           </p:cNvPr>
@@ -2196,7 +2196,7 @@
           <p:cNvPr id="3" name="内容占位符 2">
             <a:extLst>
               <a:ext uri="{FF2B5EF4-FFF2-40B4-BE49-F238E27FC236}">
-                <a16:creationId xmlns:a16="http://schemas.microsoft.com/office/drawing/2014/main" id="{674BFC12-FC0D-46CF-5E9A-6D82B88561B4}"/>
+                <a16:creationId xmlns:a16="http://schemas.microsoft.com/office/drawing/2014/main" id="{F161502F-FC5F-1FE8-C032-32915D8C660D}"/>
               </a:ext>
             </a:extLst>
           </p:cNvPr>
@@ -2286,7 +2286,7 @@
           <p:cNvPr id="4" name="文本占位符 3">
             <a:extLst>
               <a:ext uri="{FF2B5EF4-FFF2-40B4-BE49-F238E27FC236}">
-                <a16:creationId xmlns:a16="http://schemas.microsoft.com/office/drawing/2014/main" id="{2EFDE11F-7CE7-BA3F-4D38-74D9784EEEDB}"/>
+                <a16:creationId xmlns:a16="http://schemas.microsoft.com/office/drawing/2014/main" id="{91640510-5242-31FB-7303-77E1FBC0CCD7}"/>
               </a:ext>
             </a:extLst>
           </p:cNvPr>
@@ -2357,7 +2357,7 @@
           <p:cNvPr id="5" name="日期占位符 4">
             <a:extLst>
               <a:ext uri="{FF2B5EF4-FFF2-40B4-BE49-F238E27FC236}">
-                <a16:creationId xmlns:a16="http://schemas.microsoft.com/office/drawing/2014/main" id="{0E31CBE0-A475-0737-5FB8-D887973DC5B4}"/>
+                <a16:creationId xmlns:a16="http://schemas.microsoft.com/office/drawing/2014/main" id="{7861587A-5CD2-D9CE-4B20-BB7414F34D3E}"/>
               </a:ext>
             </a:extLst>
           </p:cNvPr>
@@ -2373,7 +2373,7 @@
           <a:bodyPr/>
           <a:lstStyle/>
           <a:p>
-            <a:fld id="{795D1EF7-3B01-4A47-BDCF-5F5C88F3A7D3}" type="datetimeFigureOut">
+            <a:fld id="{9046939C-0AA4-43B1-966C-D81E183AD55C}" type="datetimeFigureOut">
               <a:rPr lang="zh-CN" altLang="en-US" smtClean="0"/>
               <a:t>2024/3/10</a:t>
             </a:fld>
@@ -2386,7 +2386,7 @@
           <p:cNvPr id="6" name="页脚占位符 5">
             <a:extLst>
               <a:ext uri="{FF2B5EF4-FFF2-40B4-BE49-F238E27FC236}">
-                <a16:creationId xmlns:a16="http://schemas.microsoft.com/office/drawing/2014/main" id="{74890B71-5A79-0E39-87D3-0D6014D01E30}"/>
+                <a16:creationId xmlns:a16="http://schemas.microsoft.com/office/drawing/2014/main" id="{59FAA43A-1251-54A7-275A-9492930CA0E5}"/>
               </a:ext>
             </a:extLst>
           </p:cNvPr>
@@ -2411,7 +2411,7 @@
           <p:cNvPr id="7" name="灯片编号占位符 6">
             <a:extLst>
               <a:ext uri="{FF2B5EF4-FFF2-40B4-BE49-F238E27FC236}">
-                <a16:creationId xmlns:a16="http://schemas.microsoft.com/office/drawing/2014/main" id="{C2C59C42-F9E4-EC80-100D-4A284ED28951}"/>
+                <a16:creationId xmlns:a16="http://schemas.microsoft.com/office/drawing/2014/main" id="{360B086D-0E7A-E812-45D6-8FC707E05227}"/>
               </a:ext>
             </a:extLst>
           </p:cNvPr>
@@ -2427,7 +2427,7 @@
           <a:bodyPr/>
           <a:lstStyle/>
           <a:p>
-            <a:fld id="{739B925D-FBD2-4273-ADB4-F3EAD454798F}" type="slidenum">
+            <a:fld id="{FA549FD4-253A-4D0A-86DC-D8AD8B486AF6}" type="slidenum">
               <a:rPr lang="zh-CN" altLang="en-US" smtClean="0"/>
               <a:t>‹#›</a:t>
             </a:fld>
@@ -2438,7 +2438,7 @@
     </p:spTree>
     <p:extLst>
       <p:ext uri="{BB962C8B-B14F-4D97-AF65-F5344CB8AC3E}">
-        <p14:creationId xmlns:p14="http://schemas.microsoft.com/office/powerpoint/2010/main" val="1027163129"/>
+        <p14:creationId xmlns:p14="http://schemas.microsoft.com/office/powerpoint/2010/main" val="1268100200"/>
       </p:ext>
     </p:extLst>
   </p:cSld>
@@ -2470,7 +2470,7 @@
           <p:cNvPr id="2" name="标题 1">
             <a:extLst>
               <a:ext uri="{FF2B5EF4-FFF2-40B4-BE49-F238E27FC236}">
-                <a16:creationId xmlns:a16="http://schemas.microsoft.com/office/drawing/2014/main" id="{7612221B-9965-90E3-58E8-8BEEB1872E47}"/>
+                <a16:creationId xmlns:a16="http://schemas.microsoft.com/office/drawing/2014/main" id="{C49238C0-17F6-B861-9AA5-3A754EE6E819}"/>
               </a:ext>
             </a:extLst>
           </p:cNvPr>
@@ -2507,7 +2507,7 @@
           <p:cNvPr id="3" name="图片占位符 2">
             <a:extLst>
               <a:ext uri="{FF2B5EF4-FFF2-40B4-BE49-F238E27FC236}">
-                <a16:creationId xmlns:a16="http://schemas.microsoft.com/office/drawing/2014/main" id="{A7333FFC-7EB7-7BE1-5DCD-2FE7FB4B80C4}"/>
+                <a16:creationId xmlns:a16="http://schemas.microsoft.com/office/drawing/2014/main" id="{5A3C61B1-1872-6D16-BFB7-C3AF6D432FA6}"/>
               </a:ext>
             </a:extLst>
           </p:cNvPr>
@@ -2574,7 +2574,7 @@
           <p:cNvPr id="4" name="文本占位符 3">
             <a:extLst>
               <a:ext uri="{FF2B5EF4-FFF2-40B4-BE49-F238E27FC236}">
-                <a16:creationId xmlns:a16="http://schemas.microsoft.com/office/drawing/2014/main" id="{98DAD023-931E-71E7-36EF-BBFECA5E16F4}"/>
+                <a16:creationId xmlns:a16="http://schemas.microsoft.com/office/drawing/2014/main" id="{34B91E68-DD02-FE51-BE9A-900DD3E32255}"/>
               </a:ext>
             </a:extLst>
           </p:cNvPr>
@@ -2645,7 +2645,7 @@
           <p:cNvPr id="5" name="日期占位符 4">
             <a:extLst>
               <a:ext uri="{FF2B5EF4-FFF2-40B4-BE49-F238E27FC236}">
-                <a16:creationId xmlns:a16="http://schemas.microsoft.com/office/drawing/2014/main" id="{C0ACD55D-DE85-79DB-D8DF-05D41BCE81BF}"/>
+                <a16:creationId xmlns:a16="http://schemas.microsoft.com/office/drawing/2014/main" id="{BAC52882-01F1-973C-8704-2F32DE17A55A}"/>
               </a:ext>
             </a:extLst>
           </p:cNvPr>
@@ -2661,7 +2661,7 @@
           <a:bodyPr/>
           <a:lstStyle/>
           <a:p>
-            <a:fld id="{795D1EF7-3B01-4A47-BDCF-5F5C88F3A7D3}" type="datetimeFigureOut">
+            <a:fld id="{9046939C-0AA4-43B1-966C-D81E183AD55C}" type="datetimeFigureOut">
               <a:rPr lang="zh-CN" altLang="en-US" smtClean="0"/>
               <a:t>2024/3/10</a:t>
             </a:fld>
@@ -2674,7 +2674,7 @@
           <p:cNvPr id="6" name="页脚占位符 5">
             <a:extLst>
               <a:ext uri="{FF2B5EF4-FFF2-40B4-BE49-F238E27FC236}">
-                <a16:creationId xmlns:a16="http://schemas.microsoft.com/office/drawing/2014/main" id="{3257DE39-B799-A851-C544-FE624E258739}"/>
+                <a16:creationId xmlns:a16="http://schemas.microsoft.com/office/drawing/2014/main" id="{E231B52E-F72B-D3E3-69B5-2FB16D28AB08}"/>
               </a:ext>
             </a:extLst>
           </p:cNvPr>
@@ -2699,7 +2699,7 @@
           <p:cNvPr id="7" name="灯片编号占位符 6">
             <a:extLst>
               <a:ext uri="{FF2B5EF4-FFF2-40B4-BE49-F238E27FC236}">
-                <a16:creationId xmlns:a16="http://schemas.microsoft.com/office/drawing/2014/main" id="{8C9B52DD-4C94-DFC3-190F-E60AA82DA783}"/>
+                <a16:creationId xmlns:a16="http://schemas.microsoft.com/office/drawing/2014/main" id="{92948AB8-536C-DE44-5543-DBB309E1BDDE}"/>
               </a:ext>
             </a:extLst>
           </p:cNvPr>
@@ -2715,7 +2715,7 @@
           <a:bodyPr/>
           <a:lstStyle/>
           <a:p>
-            <a:fld id="{739B925D-FBD2-4273-ADB4-F3EAD454798F}" type="slidenum">
+            <a:fld id="{FA549FD4-253A-4D0A-86DC-D8AD8B486AF6}" type="slidenum">
               <a:rPr lang="zh-CN" altLang="en-US" smtClean="0"/>
               <a:t>‹#›</a:t>
             </a:fld>
@@ -2726,7 +2726,7 @@
     </p:spTree>
     <p:extLst>
       <p:ext uri="{BB962C8B-B14F-4D97-AF65-F5344CB8AC3E}">
-        <p14:creationId xmlns:p14="http://schemas.microsoft.com/office/powerpoint/2010/main" val="3396996436"/>
+        <p14:creationId xmlns:p14="http://schemas.microsoft.com/office/powerpoint/2010/main" val="1594188123"/>
       </p:ext>
     </p:extLst>
   </p:cSld>
@@ -2763,7 +2763,7 @@
           <p:cNvPr id="2" name="标题占位符 1">
             <a:extLst>
               <a:ext uri="{FF2B5EF4-FFF2-40B4-BE49-F238E27FC236}">
-                <a16:creationId xmlns:a16="http://schemas.microsoft.com/office/drawing/2014/main" id="{BA4656C3-EDBD-608E-F2EF-A56A94EC5276}"/>
+                <a16:creationId xmlns:a16="http://schemas.microsoft.com/office/drawing/2014/main" id="{BCB3900A-A6C1-1ED5-9034-9E61424B0081}"/>
               </a:ext>
             </a:extLst>
           </p:cNvPr>
@@ -2801,7 +2801,7 @@
           <p:cNvPr id="3" name="文本占位符 2">
             <a:extLst>
               <a:ext uri="{FF2B5EF4-FFF2-40B4-BE49-F238E27FC236}">
-                <a16:creationId xmlns:a16="http://schemas.microsoft.com/office/drawing/2014/main" id="{637638F9-0B14-D996-9663-F55B8FE823B3}"/>
+                <a16:creationId xmlns:a16="http://schemas.microsoft.com/office/drawing/2014/main" id="{44C6A4A7-B10A-91C5-6DA0-EFA1A47D4D9E}"/>
               </a:ext>
             </a:extLst>
           </p:cNvPr>
@@ -2868,7 +2868,7 @@
           <p:cNvPr id="4" name="日期占位符 3">
             <a:extLst>
               <a:ext uri="{FF2B5EF4-FFF2-40B4-BE49-F238E27FC236}">
-                <a16:creationId xmlns:a16="http://schemas.microsoft.com/office/drawing/2014/main" id="{A17784C3-0E98-5269-1628-BF523FADAE43}"/>
+                <a16:creationId xmlns:a16="http://schemas.microsoft.com/office/drawing/2014/main" id="{F526963F-EA1E-1FE4-FA2C-A0AA320671FE}"/>
               </a:ext>
             </a:extLst>
           </p:cNvPr>
@@ -2902,7 +2902,7 @@
             </a:lvl1pPr>
           </a:lstStyle>
           <a:p>
-            <a:fld id="{795D1EF7-3B01-4A47-BDCF-5F5C88F3A7D3}" type="datetimeFigureOut">
+            <a:fld id="{9046939C-0AA4-43B1-966C-D81E183AD55C}" type="datetimeFigureOut">
               <a:rPr lang="zh-CN" altLang="en-US" smtClean="0"/>
               <a:t>2024/3/10</a:t>
             </a:fld>
@@ -2915,7 +2915,7 @@
           <p:cNvPr id="5" name="页脚占位符 4">
             <a:extLst>
               <a:ext uri="{FF2B5EF4-FFF2-40B4-BE49-F238E27FC236}">
-                <a16:creationId xmlns:a16="http://schemas.microsoft.com/office/drawing/2014/main" id="{ADCD166A-3C83-2356-D843-CEC6FB547D69}"/>
+                <a16:creationId xmlns:a16="http://schemas.microsoft.com/office/drawing/2014/main" id="{FB361700-BDDA-E067-4D44-1EA617CE92BB}"/>
               </a:ext>
             </a:extLst>
           </p:cNvPr>
@@ -2958,7 +2958,7 @@
           <p:cNvPr id="6" name="灯片编号占位符 5">
             <a:extLst>
               <a:ext uri="{FF2B5EF4-FFF2-40B4-BE49-F238E27FC236}">
-                <a16:creationId xmlns:a16="http://schemas.microsoft.com/office/drawing/2014/main" id="{7C4DA539-81F2-C7FF-8BD8-AB26386D526F}"/>
+                <a16:creationId xmlns:a16="http://schemas.microsoft.com/office/drawing/2014/main" id="{340E3506-26FC-9DC7-F0A6-DDCD893F3B55}"/>
               </a:ext>
             </a:extLst>
           </p:cNvPr>
@@ -2992,7 +2992,7 @@
             </a:lvl1pPr>
           </a:lstStyle>
           <a:p>
-            <a:fld id="{739B925D-FBD2-4273-ADB4-F3EAD454798F}" type="slidenum">
+            <a:fld id="{FA549FD4-253A-4D0A-86DC-D8AD8B486AF6}" type="slidenum">
               <a:rPr lang="zh-CN" altLang="en-US" smtClean="0"/>
               <a:t>‹#›</a:t>
             </a:fld>
@@ -3003,7 +3003,7 @@
     </p:spTree>
     <p:extLst>
       <p:ext uri="{BB962C8B-B14F-4D97-AF65-F5344CB8AC3E}">
-        <p14:creationId xmlns:p14="http://schemas.microsoft.com/office/powerpoint/2010/main" val="4064307549"/>
+        <p14:creationId xmlns:p14="http://schemas.microsoft.com/office/powerpoint/2010/main" val="3608704220"/>
       </p:ext>
     </p:extLst>
   </p:cSld>
@@ -3323,7 +3323,7 @@
       </p:grpSpPr>
       <p:pic>
         <p:nvPicPr>
-          <p:cNvPr id="456706" name="Picture 2" descr="445"/>
+          <p:cNvPr id="457730" name="Picture 2" descr="446"/>
           <p:cNvPicPr>
             <a:picLocks noChangeAspect="1" noChangeArrowheads="1"/>
           </p:cNvPicPr>
